--- a/mapping_project-poster_TO_REVIEW_ESME.pptx
+++ b/mapping_project-poster_TO_REVIEW_ESME.pptx
@@ -197,7 +197,7 @@
           <a:p>
             <a:fld id="{0E5820E2-07A4-7E46-B940-ED06D469D0A9}" type="datetimeFigureOut">
               <a:rPr lang="en-NL" smtClean="0"/>
-              <a:t>2/1/21</a:t>
+              <a:t>02/01/2021</a:t>
             </a:fld>
             <a:endParaRPr lang="en-NL"/>
           </a:p>
@@ -356,7 +356,7 @@
           <a:p>
             <a:fld id="{01B03D1D-E699-7A42-AAF2-6CB121A05637}" type="slidenum">
               <a:rPr lang="en-NL" smtClean="0"/>
-              <a:t>‹#›</a:t>
+              <a:t>‹Nr.›</a:t>
             </a:fld>
             <a:endParaRPr lang="en-NL"/>
           </a:p>
@@ -2081,18 +2081,18 @@
         <p:spPr>
           <a:xfrm>
             <a:off x="1079625" y="7020000"/>
-            <a:ext cx="4481625" cy="17641091"/>
+            <a:ext cx="4481625" cy="17981951"/>
           </a:xfrm>
         </p:spPr>
         <p:txBody>
           <a:bodyPr>
-            <a:normAutofit/>
+            <a:normAutofit fontScale="92500"/>
           </a:bodyPr>
           <a:lstStyle/>
           <a:p>
             <a:r>
               <a:rPr lang="en-GB" sz="2400" b="1" dirty="0"/>
-              <a:t>When the COVID-19 pandemic hit the world, nearly every aspect of daily life was affected. The food industry, normally functioning smoothly and unobtrusively, was shaken as people began hoarding products like pasta or toilet paper</a:t>
+              <a:t>When the COVID-19 pandemic hit the world, nearly every aspect of daily life was affected. The food industry, normally functioning unobtrusively, was shaken as people began hoarding products like pasta or toilet paper</a:t>
             </a:r>
             <a:r>
               <a:rPr lang="en-US" sz="2400" b="1" dirty="0"/>
@@ -2100,19 +2100,7 @@
             </a:r>
             <a:r>
               <a:rPr lang="en-GB" sz="2400" b="1" dirty="0"/>
-              <a:t> to visualize the impact of COVID-19 on interests in food and other essential items in three European countries – Germany, the </a:t>
-            </a:r>
-            <a:r>
-              <a:rPr lang="en-GB" sz="2400" b="1" dirty="0">
-                <a:solidFill>
-                  <a:schemeClr val="accent6"/>
-                </a:solidFill>
-              </a:rPr>
-              <a:t>Netherlands</a:t>
-            </a:r>
-            <a:r>
-              <a:rPr lang="en-GB" sz="2400" b="1" dirty="0"/>
-              <a:t>, and the United Kingdom - based on </a:t>
+              <a:t> to visualize the impact of COVID-19 on interests in food and other essential items in three European countries – Germany, the Netherlands, and the United Kingdom - based on </a:t>
             </a:r>
             <a:r>
               <a:rPr lang="en-GB" sz="2400" b="1" i="1" dirty="0"/>
@@ -2157,22 +2145,7 @@
               <a:rPr lang="en-US" sz="2400" dirty="0">
                 <a:latin typeface="Roboto Condensed Light"/>
               </a:rPr>
-              <a:t>the three countries. The latter contains a radar chart allowing the visitor to discover differences between all </a:t>
-            </a:r>
-            <a:r>
-              <a:rPr lang="en-US" sz="2400" dirty="0">
-                <a:solidFill>
-                  <a:schemeClr val="accent6"/>
-                </a:solidFill>
-                <a:latin typeface="Roboto Condensed Light"/>
-              </a:rPr>
-              <a:t>fifteen</a:t>
-            </a:r>
-            <a:r>
-              <a:rPr lang="en-US" sz="2400" dirty="0">
-                <a:latin typeface="Roboto Condensed Light"/>
-              </a:rPr>
-              <a:t> search terms across the countries. In addition, both sections show the evolution of the COVID-19 infection rate</a:t>
+              <a:t>the three countries. The latter contains a radar chart allowing the visitor to discover differences between all fifteen search terms across the countries. In addition, both sections show the evolution of the COVID-19 infection rate with a line chart</a:t>
             </a:r>
             <a:r>
               <a:rPr lang="en-US" sz="2400" dirty="0"/>
@@ -2219,22 +2192,7 @@
               <a:rPr lang="en-US" sz="2400" baseline="0" dirty="0">
                 <a:latin typeface="Roboto Condensed Light"/>
               </a:rPr>
-              <a:t>a higher search frequency during the pandemic while red circles show a lower </a:t>
-            </a:r>
-            <a:r>
-              <a:rPr lang="en-US" sz="2400" baseline="0" dirty="0">
-                <a:solidFill>
-                  <a:schemeClr val="accent6"/>
-                </a:solidFill>
-                <a:latin typeface="Roboto Condensed Light"/>
-              </a:rPr>
-              <a:t>relative</a:t>
-            </a:r>
-            <a:r>
-              <a:rPr lang="en-US" sz="2400" baseline="0" dirty="0">
-                <a:latin typeface="Roboto Condensed Light"/>
-              </a:rPr>
-              <a:t> search query. We chose a</a:t>
+              <a:t>a higher search frequency during the pandemic while red circles show a lower relative search query. We chose a</a:t>
             </a:r>
             <a:r>
               <a:rPr lang="en-US" sz="2400" dirty="0">
@@ -2293,7 +2251,7 @@
         </p:nvSpPr>
         <p:spPr>
           <a:xfrm>
-            <a:off x="5992497" y="18890672"/>
+            <a:off x="5993999" y="18890674"/>
             <a:ext cx="4481250" cy="8499761"/>
           </a:xfrm>
         </p:spPr>
@@ -2331,7 +2289,19 @@
               <a:rPr lang="en-GB" dirty="0">
                 <a:latin typeface="Roboto Condensed Light"/>
               </a:rPr>
-              <a:t> and positive values indicate lower or higher searches compared to the year before. Additional context is given by a multiple time series plot displaying the evolution of each search term over the study period</a:t>
+              <a:t> </a:t>
+            </a:r>
+            <a:r>
+              <a:rPr lang="en-GB">
+                <a:latin typeface="Roboto Condensed Light"/>
+              </a:rPr>
+              <a:t>and </a:t>
+            </a:r>
+            <a:r>
+              <a:rPr lang="en-GB" dirty="0">
+                <a:latin typeface="Roboto Condensed Light"/>
+              </a:rPr>
+              <a:t>positive values indicate lower or higher searches compared to the year before. Additional context is given by a multiple time series plot displaying the evolution of each search term</a:t>
             </a:r>
             <a:r>
               <a:rPr lang="de-DE" dirty="0">
@@ -2380,9 +2350,6 @@
             </a:r>
             <a:r>
               <a:rPr lang="en-US" i="1" dirty="0">
-                <a:solidFill>
-                  <a:schemeClr val="accent6"/>
-                </a:solidFill>
                 <a:latin typeface="Roboto Condensed Light"/>
               </a:rPr>
               <a:t>World Health Organization (WHO) </a:t>
@@ -2416,7 +2383,7 @@
         <p:spPr>
           <a:xfrm>
             <a:off x="10907999" y="18890674"/>
-            <a:ext cx="4482000" cy="8499761"/>
+            <a:ext cx="4482000" cy="8499759"/>
           </a:xfrm>
           <a:prstGeom prst="rect">
             <a:avLst/>
@@ -2600,7 +2567,7 @@
               </a:spcBef>
             </a:pPr>
             <a:r>
-              <a:rPr lang="en-US" sz="3000" b="1" cap="all" spc="200" dirty="0"/>
+              <a:rPr lang="en-US" sz="2800" b="1" cap="all" spc="200" dirty="0"/>
               <a:t>Tools</a:t>
             </a:r>
           </a:p>
@@ -2663,7 +2630,7 @@
               <a:rPr lang="en-GB" dirty="0">
                 <a:latin typeface="Roboto Condensed Light"/>
               </a:rPr>
-              <a:t>, a scientific graphing Python library,  was used to create the map and graphs. The project is hosted on Heroku, a cloud platform allowing for deployment of flask applications</a:t>
+              <a:t>, a scientific graphing Python library,  was used to create the map and graphs. The project is hosted on Heroku, a cloud platform allowing for deployment of flask applications.</a:t>
             </a:r>
             <a:endParaRPr lang="en-US" dirty="0">
               <a:latin typeface="Roboto Condensed Light"/>
@@ -2676,7 +2643,7 @@
               </a:spcBef>
             </a:pPr>
             <a:r>
-              <a:rPr lang="en-US" sz="3000" b="1" cap="all" spc="200" dirty="0"/>
+              <a:rPr lang="en-US" sz="2800" b="1" cap="all" spc="200" dirty="0"/>
               <a:t>Conclusion</a:t>
             </a:r>
           </a:p>
@@ -3163,7 +3130,7 @@
         </p:nvSpPr>
         <p:spPr>
           <a:xfrm>
-            <a:off x="1081496" y="27113436"/>
+            <a:off x="1082998" y="27118132"/>
             <a:ext cx="4643420" cy="276999"/>
           </a:xfrm>
           <a:prstGeom prst="rect">
@@ -3204,7 +3171,7 @@
         </p:nvGrpSpPr>
         <p:grpSpPr>
           <a:xfrm>
-            <a:off x="1076244" y="24559558"/>
+            <a:off x="1079248" y="24640599"/>
             <a:ext cx="4482001" cy="2477533"/>
             <a:chOff x="1078869" y="23998181"/>
             <a:chExt cx="4482001" cy="2477533"/>
@@ -3277,43 +3244,6 @@
           </p:spPr>
         </p:pic>
       </p:grpSp>
-      <p:sp>
-        <p:nvSpPr>
-          <p:cNvPr id="2" name="Textfeld 1">
-            <a:extLst>
-              <a:ext uri="{FF2B5EF4-FFF2-40B4-BE49-F238E27FC236}">
-                <a16:creationId xmlns:a16="http://schemas.microsoft.com/office/drawing/2014/main" id="{4A73517F-7282-4060-8725-30F4FF4EDF81}"/>
-              </a:ext>
-            </a:extLst>
-          </p:cNvPr>
-          <p:cNvSpPr txBox="1"/>
-          <p:nvPr/>
-        </p:nvSpPr>
-        <p:spPr>
-          <a:xfrm>
-            <a:off x="15254780" y="21343290"/>
-            <a:ext cx="268941" cy="430887"/>
-          </a:xfrm>
-          <a:prstGeom prst="rect">
-            <a:avLst/>
-          </a:prstGeom>
-          <a:noFill/>
-        </p:spPr>
-        <p:txBody>
-          <a:bodyPr wrap="square" rtlCol="0">
-            <a:spAutoFit/>
-          </a:bodyPr>
-          <a:lstStyle/>
-          <a:p>
-            <a:r>
-              <a:rPr lang="de-DE" sz="2200" dirty="0">
-                <a:latin typeface="Roboto Condensed"/>
-              </a:rPr>
-              <a:t>.</a:t>
-            </a:r>
-          </a:p>
-        </p:txBody>
-      </p:sp>
     </p:spTree>
     <p:extLst>
       <p:ext uri="{BB962C8B-B14F-4D97-AF65-F5344CB8AC3E}">

--- a/mapping_project-poster_TO_REVIEW_ESME.pptx
+++ b/mapping_project-poster_TO_REVIEW_ESME.pptx
@@ -197,7 +197,7 @@
           <a:p>
             <a:fld id="{0E5820E2-07A4-7E46-B940-ED06D469D0A9}" type="datetimeFigureOut">
               <a:rPr lang="en-NL" smtClean="0"/>
-              <a:t>02/01/2021</a:t>
+              <a:t>2/1/21</a:t>
             </a:fld>
             <a:endParaRPr lang="en-NL"/>
           </a:p>
@@ -356,7 +356,7 @@
           <a:p>
             <a:fld id="{01B03D1D-E699-7A42-AAF2-6CB121A05637}" type="slidenum">
               <a:rPr lang="en-NL" smtClean="0"/>
-              <a:t>‹Nr.›</a:t>
+              <a:t>‹#›</a:t>
             </a:fld>
             <a:endParaRPr lang="en-NL"/>
           </a:p>
@@ -3148,7 +3148,14 @@
                 <a:latin typeface="Roboto Condensed Light" pitchFamily="2" charset="0"/>
                 <a:ea typeface="Roboto Condensed Light" pitchFamily="2" charset="0"/>
               </a:rPr>
-              <a:t>Fig. 1 Search terms visualized by icons</a:t>
+              <a:t>Fig. 1 Search terms visualized </a:t>
+            </a:r>
+            <a:r>
+              <a:rPr lang="en-US" i="1">
+                <a:latin typeface="Roboto Condensed Light" pitchFamily="2" charset="0"/>
+                <a:ea typeface="Roboto Condensed Light" pitchFamily="2" charset="0"/>
+              </a:rPr>
+              <a:t>by icons.</a:t>
             </a:r>
             <a:endParaRPr lang="de-AT" i="1" dirty="0">
               <a:latin typeface="Roboto Condensed Light" pitchFamily="2" charset="0"/>

--- a/mapping_project-poster_TO_REVIEW_ESME.pptx
+++ b/mapping_project-poster_TO_REVIEW_ESME.pptx
@@ -197,7 +197,7 @@
           <a:p>
             <a:fld id="{0E5820E2-07A4-7E46-B940-ED06D469D0A9}" type="datetimeFigureOut">
               <a:rPr lang="en-NL" smtClean="0"/>
-              <a:t>2/1/21</a:t>
+              <a:t>01/02/2021</a:t>
             </a:fld>
             <a:endParaRPr lang="en-NL"/>
           </a:p>
@@ -750,8 +750,12 @@
           </a:lstStyle>
           <a:p>
             <a:r>
+              <a:rPr lang="de-DE" sz="3000" dirty="0" err="1"/>
+              <a:t>by</a:t>
+            </a:r>
+            <a:r>
               <a:rPr lang="de-DE" sz="3000" dirty="0"/>
-              <a:t>By </a:t>
+              <a:t> </a:t>
             </a:r>
             <a:r>
               <a:rPr lang="de-DE" sz="3000" b="1" dirty="0" err="1"/>
